--- a/chapter07/图片/pic.pptx
+++ b/chapter07/图片/pic.pptx
@@ -6,13 +6,11 @@
   </p:sldMasterIdLst>
   <p:sldIdLst>
     <p:sldId id="256" r:id="rId2"/>
-    <p:sldId id="257" r:id="rId3"/>
-    <p:sldId id="258" r:id="rId4"/>
-    <p:sldId id="259" r:id="rId5"/>
-    <p:sldId id="260" r:id="rId6"/>
-    <p:sldId id="261" r:id="rId7"/>
-    <p:sldId id="262" r:id="rId8"/>
-    <p:sldId id="263" r:id="rId9"/>
+    <p:sldId id="258" r:id="rId3"/>
+    <p:sldId id="259" r:id="rId4"/>
+    <p:sldId id="260" r:id="rId5"/>
+    <p:sldId id="261" r:id="rId6"/>
+    <p:sldId id="262" r:id="rId7"/>
   </p:sldIdLst>
   <p:sldSz cx="9144000" cy="6858000" type="screen4x3"/>
   <p:notesSz cx="6858000" cy="9144000"/>
@@ -295,7 +293,7 @@
           <a:p>
             <a:fld id="{530820CF-B880-4189-942D-D702A7CBA730}" type="datetimeFigureOut">
               <a:rPr lang="zh-CN" altLang="en-US" smtClean="0"/>
-              <a:t>2020/2/28</a:t>
+              <a:t>2020/6/17</a:t>
             </a:fld>
             <a:endParaRPr lang="zh-CN" altLang="en-US"/>
           </a:p>
@@ -460,7 +458,7 @@
           <a:p>
             <a:fld id="{530820CF-B880-4189-942D-D702A7CBA730}" type="datetimeFigureOut">
               <a:rPr lang="zh-CN" altLang="en-US" smtClean="0"/>
-              <a:t>2020/2/28</a:t>
+              <a:t>2020/6/17</a:t>
             </a:fld>
             <a:endParaRPr lang="zh-CN" altLang="en-US"/>
           </a:p>
@@ -635,7 +633,7 @@
           <a:p>
             <a:fld id="{530820CF-B880-4189-942D-D702A7CBA730}" type="datetimeFigureOut">
               <a:rPr lang="zh-CN" altLang="en-US" smtClean="0"/>
-              <a:t>2020/2/28</a:t>
+              <a:t>2020/6/17</a:t>
             </a:fld>
             <a:endParaRPr lang="zh-CN" altLang="en-US"/>
           </a:p>
@@ -800,7 +798,7 @@
           <a:p>
             <a:fld id="{530820CF-B880-4189-942D-D702A7CBA730}" type="datetimeFigureOut">
               <a:rPr lang="zh-CN" altLang="en-US" smtClean="0"/>
-              <a:t>2020/2/28</a:t>
+              <a:t>2020/6/17</a:t>
             </a:fld>
             <a:endParaRPr lang="zh-CN" altLang="en-US"/>
           </a:p>
@@ -1041,7 +1039,7 @@
           <a:p>
             <a:fld id="{530820CF-B880-4189-942D-D702A7CBA730}" type="datetimeFigureOut">
               <a:rPr lang="zh-CN" altLang="en-US" smtClean="0"/>
-              <a:t>2020/2/28</a:t>
+              <a:t>2020/6/17</a:t>
             </a:fld>
             <a:endParaRPr lang="zh-CN" altLang="en-US"/>
           </a:p>
@@ -1324,7 +1322,7 @@
           <a:p>
             <a:fld id="{530820CF-B880-4189-942D-D702A7CBA730}" type="datetimeFigureOut">
               <a:rPr lang="zh-CN" altLang="en-US" smtClean="0"/>
-              <a:t>2020/2/28</a:t>
+              <a:t>2020/6/17</a:t>
             </a:fld>
             <a:endParaRPr lang="zh-CN" altLang="en-US"/>
           </a:p>
@@ -1741,7 +1739,7 @@
           <a:p>
             <a:fld id="{530820CF-B880-4189-942D-D702A7CBA730}" type="datetimeFigureOut">
               <a:rPr lang="zh-CN" altLang="en-US" smtClean="0"/>
-              <a:t>2020/2/28</a:t>
+              <a:t>2020/6/17</a:t>
             </a:fld>
             <a:endParaRPr lang="zh-CN" altLang="en-US"/>
           </a:p>
@@ -1854,7 +1852,7 @@
           <a:p>
             <a:fld id="{530820CF-B880-4189-942D-D702A7CBA730}" type="datetimeFigureOut">
               <a:rPr lang="zh-CN" altLang="en-US" smtClean="0"/>
-              <a:t>2020/2/28</a:t>
+              <a:t>2020/6/17</a:t>
             </a:fld>
             <a:endParaRPr lang="zh-CN" altLang="en-US"/>
           </a:p>
@@ -1944,7 +1942,7 @@
           <a:p>
             <a:fld id="{530820CF-B880-4189-942D-D702A7CBA730}" type="datetimeFigureOut">
               <a:rPr lang="zh-CN" altLang="en-US" smtClean="0"/>
-              <a:t>2020/2/28</a:t>
+              <a:t>2020/6/17</a:t>
             </a:fld>
             <a:endParaRPr lang="zh-CN" altLang="en-US"/>
           </a:p>
@@ -2216,7 +2214,7 @@
           <a:p>
             <a:fld id="{530820CF-B880-4189-942D-D702A7CBA730}" type="datetimeFigureOut">
               <a:rPr lang="zh-CN" altLang="en-US" smtClean="0"/>
-              <a:t>2020/2/28</a:t>
+              <a:t>2020/6/17</a:t>
             </a:fld>
             <a:endParaRPr lang="zh-CN" altLang="en-US"/>
           </a:p>
@@ -2464,7 +2462,7 @@
           <a:p>
             <a:fld id="{530820CF-B880-4189-942D-D702A7CBA730}" type="datetimeFigureOut">
               <a:rPr lang="zh-CN" altLang="en-US" smtClean="0"/>
-              <a:t>2020/2/28</a:t>
+              <a:t>2020/6/17</a:t>
             </a:fld>
             <a:endParaRPr lang="zh-CN" altLang="en-US"/>
           </a:p>
@@ -2672,7 +2670,7 @@
           <a:p>
             <a:fld id="{530820CF-B880-4189-942D-D702A7CBA730}" type="datetimeFigureOut">
               <a:rPr lang="zh-CN" altLang="en-US" smtClean="0"/>
-              <a:t>2020/2/28</a:t>
+              <a:t>2020/6/17</a:t>
             </a:fld>
             <a:endParaRPr lang="zh-CN" altLang="en-US"/>
           </a:p>
@@ -3696,85 +3694,342 @@
           <a:chExt cx="0" cy="0"/>
         </a:xfrm>
       </p:grpSpPr>
-      <p:grpSp>
-        <p:nvGrpSpPr>
-          <p:cNvPr id="6" name="组合 5"/>
-          <p:cNvGrpSpPr/>
-          <p:nvPr/>
-        </p:nvGrpSpPr>
-        <p:grpSpPr>
-          <a:xfrm>
-            <a:off x="467544" y="866417"/>
-            <a:ext cx="9888545" cy="5125166"/>
-            <a:chOff x="467544" y="866417"/>
-            <a:chExt cx="9888545" cy="5125166"/>
-          </a:xfrm>
-        </p:grpSpPr>
-        <p:pic>
-          <p:nvPicPr>
-            <p:cNvPr id="4" name="图片 3"/>
-            <p:cNvPicPr>
-              <a:picLocks noChangeAspect="1"/>
-            </p:cNvPicPr>
-            <p:nvPr/>
-          </p:nvPicPr>
-          <p:blipFill>
-            <a:blip r:embed="rId2">
-              <a:extLst>
-                <a:ext uri="{28A0092B-C50C-407E-A947-70E740481C1C}">
-                  <a14:useLocalDpi xmlns:a14="http://schemas.microsoft.com/office/drawing/2010/main" val="0"/>
-                </a:ext>
-              </a:extLst>
-            </a:blip>
-            <a:stretch>
-              <a:fillRect/>
-            </a:stretch>
-          </p:blipFill>
-          <p:spPr>
-            <a:xfrm>
-              <a:off x="467544" y="866417"/>
-              <a:ext cx="5868219" cy="5125166"/>
-            </a:xfrm>
-            <a:prstGeom prst="rect">
+      <p:sp>
+        <p:nvSpPr>
+          <p:cNvPr id="2" name="AutoShape 2" descr="https://images2018.cnblogs.com/blog/1389398/201805/1389398-20180501192405613-1987522197.png"/>
+          <p:cNvSpPr>
+            <a:spLocks noChangeAspect="1" noChangeArrowheads="1"/>
+          </p:cNvSpPr>
+          <p:nvPr/>
+        </p:nvSpPr>
+        <p:spPr bwMode="auto">
+          <a:xfrm>
+            <a:off x="155575" y="-144463"/>
+            <a:ext cx="304800" cy="304801"/>
+          </a:xfrm>
+          <a:prstGeom prst="rect">
+            <a:avLst/>
+          </a:prstGeom>
+          <a:noFill/>
+          <a:extLst>
+            <a:ext uri="{909E8E84-426E-40DD-AFC4-6F175D3DCCD1}">
+              <a14:hiddenFill xmlns:a14="http://schemas.microsoft.com/office/drawing/2010/main">
+                <a:solidFill>
+                  <a:srgbClr val="FFFFFF"/>
+                </a:solidFill>
+              </a14:hiddenFill>
+            </a:ext>
+          </a:extLst>
+        </p:spPr>
+        <p:txBody>
+          <a:bodyPr vert="horz" wrap="square" lIns="91440" tIns="45720" rIns="91440" bIns="45720" numCol="1" anchor="t" anchorCtr="0" compatLnSpc="1">
+            <a:prstTxWarp prst="textNoShape">
               <a:avLst/>
-            </a:prstGeom>
-          </p:spPr>
-        </p:pic>
-        <p:pic>
-          <p:nvPicPr>
-            <p:cNvPr id="5" name="图片 4"/>
-            <p:cNvPicPr>
-              <a:picLocks noChangeAspect="1"/>
-            </p:cNvPicPr>
-            <p:nvPr/>
-          </p:nvPicPr>
-          <p:blipFill>
-            <a:blip r:embed="rId3">
-              <a:extLst>
-                <a:ext uri="{28A0092B-C50C-407E-A947-70E740481C1C}">
-                  <a14:useLocalDpi xmlns:a14="http://schemas.microsoft.com/office/drawing/2010/main" val="0"/>
-                </a:ext>
-              </a:extLst>
-            </a:blip>
-            <a:stretch>
-              <a:fillRect/>
-            </a:stretch>
-          </p:blipFill>
-          <p:spPr>
-            <a:xfrm>
-              <a:off x="4487870" y="866417"/>
-              <a:ext cx="5868219" cy="5125166"/>
-            </a:xfrm>
-            <a:prstGeom prst="rect">
+            </a:prstTxWarp>
+          </a:bodyPr>
+          <a:lstStyle/>
+          <a:p>
+            <a:endParaRPr lang="zh-CN" altLang="en-US"/>
+          </a:p>
+        </p:txBody>
+      </p:sp>
+      <p:sp>
+        <p:nvSpPr>
+          <p:cNvPr id="3" name="AutoShape 4" descr="https://images2018.cnblogs.com/blog/1389398/201805/1389398-20180501192405613-1987522197.png"/>
+          <p:cNvSpPr>
+            <a:spLocks noChangeAspect="1" noChangeArrowheads="1"/>
+          </p:cNvSpPr>
+          <p:nvPr/>
+        </p:nvSpPr>
+        <p:spPr bwMode="auto">
+          <a:xfrm>
+            <a:off x="307975" y="7937"/>
+            <a:ext cx="304800" cy="304801"/>
+          </a:xfrm>
+          <a:prstGeom prst="rect">
+            <a:avLst/>
+          </a:prstGeom>
+          <a:noFill/>
+          <a:extLst>
+            <a:ext uri="{909E8E84-426E-40DD-AFC4-6F175D3DCCD1}">
+              <a14:hiddenFill xmlns:a14="http://schemas.microsoft.com/office/drawing/2010/main">
+                <a:solidFill>
+                  <a:srgbClr val="FFFFFF"/>
+                </a:solidFill>
+              </a14:hiddenFill>
+            </a:ext>
+          </a:extLst>
+        </p:spPr>
+        <p:txBody>
+          <a:bodyPr vert="horz" wrap="square" lIns="91440" tIns="45720" rIns="91440" bIns="45720" numCol="1" anchor="t" anchorCtr="0" compatLnSpc="1">
+            <a:prstTxWarp prst="textNoShape">
               <a:avLst/>
-            </a:prstGeom>
-          </p:spPr>
-        </p:pic>
-      </p:grpSp>
+            </a:prstTxWarp>
+          </a:bodyPr>
+          <a:lstStyle/>
+          <a:p>
+            <a:endParaRPr lang="zh-CN" altLang="en-US"/>
+          </a:p>
+        </p:txBody>
+      </p:sp>
+      <p:sp>
+        <p:nvSpPr>
+          <p:cNvPr id="7" name="AutoShape 7" descr="https://images2018.cnblogs.com/blog/1389398/201805/1389398-20180501192354977-1299288822.png"/>
+          <p:cNvSpPr>
+            <a:spLocks noChangeAspect="1" noChangeArrowheads="1"/>
+          </p:cNvSpPr>
+          <p:nvPr/>
+        </p:nvSpPr>
+        <p:spPr bwMode="auto">
+          <a:xfrm>
+            <a:off x="460375" y="160337"/>
+            <a:ext cx="304800" cy="304801"/>
+          </a:xfrm>
+          <a:prstGeom prst="rect">
+            <a:avLst/>
+          </a:prstGeom>
+          <a:noFill/>
+          <a:extLst>
+            <a:ext uri="{909E8E84-426E-40DD-AFC4-6F175D3DCCD1}">
+              <a14:hiddenFill xmlns:a14="http://schemas.microsoft.com/office/drawing/2010/main">
+                <a:solidFill>
+                  <a:srgbClr val="FFFFFF"/>
+                </a:solidFill>
+              </a14:hiddenFill>
+            </a:ext>
+          </a:extLst>
+        </p:spPr>
+        <p:txBody>
+          <a:bodyPr vert="horz" wrap="square" lIns="91440" tIns="45720" rIns="91440" bIns="45720" numCol="1" anchor="t" anchorCtr="0" compatLnSpc="1">
+            <a:prstTxWarp prst="textNoShape">
+              <a:avLst/>
+            </a:prstTxWarp>
+          </a:bodyPr>
+          <a:lstStyle/>
+          <a:p>
+            <a:endParaRPr lang="zh-CN" altLang="en-US"/>
+          </a:p>
+        </p:txBody>
+      </p:sp>
+      <p:sp>
+        <p:nvSpPr>
+          <p:cNvPr id="8" name="AutoShape 9" descr="https://images2018.cnblogs.com/blog/1389398/201805/1389398-20180501192354977-1299288822.png"/>
+          <p:cNvSpPr>
+            <a:spLocks noChangeAspect="1" noChangeArrowheads="1"/>
+          </p:cNvSpPr>
+          <p:nvPr/>
+        </p:nvSpPr>
+        <p:spPr bwMode="auto">
+          <a:xfrm>
+            <a:off x="612775" y="312737"/>
+            <a:ext cx="304800" cy="304801"/>
+          </a:xfrm>
+          <a:prstGeom prst="rect">
+            <a:avLst/>
+          </a:prstGeom>
+          <a:noFill/>
+          <a:extLst>
+            <a:ext uri="{909E8E84-426E-40DD-AFC4-6F175D3DCCD1}">
+              <a14:hiddenFill xmlns:a14="http://schemas.microsoft.com/office/drawing/2010/main">
+                <a:solidFill>
+                  <a:srgbClr val="FFFFFF"/>
+                </a:solidFill>
+              </a14:hiddenFill>
+            </a:ext>
+          </a:extLst>
+        </p:spPr>
+        <p:txBody>
+          <a:bodyPr vert="horz" wrap="square" lIns="91440" tIns="45720" rIns="91440" bIns="45720" numCol="1" anchor="t" anchorCtr="0" compatLnSpc="1">
+            <a:prstTxWarp prst="textNoShape">
+              <a:avLst/>
+            </a:prstTxWarp>
+          </a:bodyPr>
+          <a:lstStyle/>
+          <a:p>
+            <a:endParaRPr lang="zh-CN" altLang="en-US"/>
+          </a:p>
+        </p:txBody>
+      </p:sp>
+      <p:pic>
+        <p:nvPicPr>
+          <p:cNvPr id="9" name="图片 8"/>
+          <p:cNvPicPr>
+            <a:picLocks noChangeAspect="1"/>
+          </p:cNvPicPr>
+          <p:nvPr/>
+        </p:nvPicPr>
+        <p:blipFill rotWithShape="1">
+          <a:blip r:embed="rId2">
+            <a:extLst>
+              <a:ext uri="{BEBA8EAE-BF5A-486C-A8C5-ECC9F3942E4B}">
+                <a14:imgProps xmlns:a14="http://schemas.microsoft.com/office/drawing/2010/main">
+                  <a14:imgLayer r:embed="rId3">
+                    <a14:imgEffect>
+                      <a14:artisticPhotocopy/>
+                    </a14:imgEffect>
+                  </a14:imgLayer>
+                </a14:imgProps>
+              </a:ext>
+              <a:ext uri="{28A0092B-C50C-407E-A947-70E740481C1C}">
+                <a14:useLocalDpi xmlns:a14="http://schemas.microsoft.com/office/drawing/2010/main" val="0"/>
+              </a:ext>
+            </a:extLst>
+          </a:blip>
+          <a:srcRect l="12887" r="14715" b="11456"/>
+          <a:stretch/>
+        </p:blipFill>
+        <p:spPr>
+          <a:xfrm>
+            <a:off x="335062" y="1885196"/>
+            <a:ext cx="3454401" cy="2656309"/>
+          </a:xfrm>
+          <a:prstGeom prst="rect">
+            <a:avLst/>
+          </a:prstGeom>
+        </p:spPr>
+      </p:pic>
+      <p:pic>
+        <p:nvPicPr>
+          <p:cNvPr id="10" name="图片 9"/>
+          <p:cNvPicPr>
+            <a:picLocks noChangeAspect="1"/>
+          </p:cNvPicPr>
+          <p:nvPr/>
+        </p:nvPicPr>
+        <p:blipFill rotWithShape="1">
+          <a:blip r:embed="rId4">
+            <a:extLst>
+              <a:ext uri="{BEBA8EAE-BF5A-486C-A8C5-ECC9F3942E4B}">
+                <a14:imgProps xmlns:a14="http://schemas.microsoft.com/office/drawing/2010/main">
+                  <a14:imgLayer r:embed="rId5">
+                    <a14:imgEffect>
+                      <a14:artisticPhotocopy/>
+                    </a14:imgEffect>
+                  </a14:imgLayer>
+                </a14:imgProps>
+              </a:ext>
+              <a:ext uri="{28A0092B-C50C-407E-A947-70E740481C1C}">
+                <a14:useLocalDpi xmlns:a14="http://schemas.microsoft.com/office/drawing/2010/main" val="0"/>
+              </a:ext>
+            </a:extLst>
+          </a:blip>
+          <a:srcRect l="16412" r="14485"/>
+          <a:stretch/>
+        </p:blipFill>
+        <p:spPr>
+          <a:xfrm>
+            <a:off x="5148064" y="1885196"/>
+            <a:ext cx="3343275" cy="2923810"/>
+          </a:xfrm>
+          <a:prstGeom prst="rect">
+            <a:avLst/>
+          </a:prstGeom>
+        </p:spPr>
+      </p:pic>
+      <p:sp>
+        <p:nvSpPr>
+          <p:cNvPr id="11" name="右箭头 10"/>
+          <p:cNvSpPr/>
+          <p:nvPr/>
+        </p:nvSpPr>
+        <p:spPr>
+          <a:xfrm>
+            <a:off x="3707904" y="3068960"/>
+            <a:ext cx="1080120" cy="278141"/>
+          </a:xfrm>
+          <a:prstGeom prst="rightArrow">
+            <a:avLst/>
+          </a:prstGeom>
+        </p:spPr>
+        <p:style>
+          <a:lnRef idx="2">
+            <a:schemeClr val="accent1">
+              <a:shade val="50000"/>
+            </a:schemeClr>
+          </a:lnRef>
+          <a:fillRef idx="1">
+            <a:schemeClr val="accent1"/>
+          </a:fillRef>
+          <a:effectRef idx="0">
+            <a:schemeClr val="accent1"/>
+          </a:effectRef>
+          <a:fontRef idx="minor">
+            <a:schemeClr val="lt1"/>
+          </a:fontRef>
+        </p:style>
+        <p:txBody>
+          <a:bodyPr rtlCol="0" anchor="ctr"/>
+          <a:lstStyle/>
+          <a:p>
+            <a:pPr algn="ctr"/>
+            <a:endParaRPr lang="zh-CN" altLang="en-US"/>
+          </a:p>
+        </p:txBody>
+      </p:sp>
+      <p:sp>
+        <p:nvSpPr>
+          <p:cNvPr id="12" name="TextBox 11"/>
+          <p:cNvSpPr txBox="1"/>
+          <p:nvPr/>
+        </p:nvSpPr>
+        <p:spPr>
+          <a:xfrm>
+            <a:off x="1115616" y="4541505"/>
+            <a:ext cx="1368152" cy="369332"/>
+          </a:xfrm>
+          <a:prstGeom prst="rect">
+            <a:avLst/>
+          </a:prstGeom>
+          <a:noFill/>
+        </p:spPr>
+        <p:txBody>
+          <a:bodyPr wrap="square" rtlCol="0">
+            <a:spAutoFit/>
+          </a:bodyPr>
+          <a:lstStyle/>
+          <a:p>
+            <a:r>
+              <a:rPr lang="zh-CN" altLang="en-US" b="1" dirty="0" smtClean="0"/>
+              <a:t>标准化前</a:t>
+            </a:r>
+            <a:endParaRPr lang="zh-CN" altLang="en-US" b="1" dirty="0"/>
+          </a:p>
+        </p:txBody>
+      </p:sp>
+      <p:sp>
+        <p:nvSpPr>
+          <p:cNvPr id="15" name="TextBox 14"/>
+          <p:cNvSpPr txBox="1"/>
+          <p:nvPr/>
+        </p:nvSpPr>
+        <p:spPr>
+          <a:xfrm>
+            <a:off x="5940152" y="4541505"/>
+            <a:ext cx="1368152" cy="369332"/>
+          </a:xfrm>
+          <a:prstGeom prst="rect">
+            <a:avLst/>
+          </a:prstGeom>
+          <a:noFill/>
+        </p:spPr>
+        <p:txBody>
+          <a:bodyPr wrap="square" rtlCol="0">
+            <a:spAutoFit/>
+          </a:bodyPr>
+          <a:lstStyle/>
+          <a:p>
+            <a:r>
+              <a:rPr lang="zh-CN" altLang="en-US" b="1" dirty="0" smtClean="0"/>
+              <a:t>标准化后</a:t>
+            </a:r>
+            <a:endParaRPr lang="zh-CN" altLang="en-US" b="1" dirty="0"/>
+          </a:p>
+        </p:txBody>
+      </p:sp>
     </p:spTree>
     <p:extLst>
       <p:ext uri="{BB962C8B-B14F-4D97-AF65-F5344CB8AC3E}">
-        <p14:creationId xmlns:p14="http://schemas.microsoft.com/office/powerpoint/2010/main" val="1984123632"/>
+        <p14:creationId xmlns:p14="http://schemas.microsoft.com/office/powerpoint/2010/main" val="3740781033"/>
       </p:ext>
     </p:extLst>
   </p:cSld>
@@ -3810,375 +4065,6 @@
       </p:grpSpPr>
       <p:sp>
         <p:nvSpPr>
-          <p:cNvPr id="2" name="AutoShape 2" descr="https://images2018.cnblogs.com/blog/1389398/201805/1389398-20180501192405613-1987522197.png"/>
-          <p:cNvSpPr>
-            <a:spLocks noChangeAspect="1" noChangeArrowheads="1"/>
-          </p:cNvSpPr>
-          <p:nvPr/>
-        </p:nvSpPr>
-        <p:spPr bwMode="auto">
-          <a:xfrm>
-            <a:off x="155575" y="-144463"/>
-            <a:ext cx="304800" cy="304801"/>
-          </a:xfrm>
-          <a:prstGeom prst="rect">
-            <a:avLst/>
-          </a:prstGeom>
-          <a:noFill/>
-          <a:extLst>
-            <a:ext uri="{909E8E84-426E-40DD-AFC4-6F175D3DCCD1}">
-              <a14:hiddenFill xmlns:a14="http://schemas.microsoft.com/office/drawing/2010/main">
-                <a:solidFill>
-                  <a:srgbClr val="FFFFFF"/>
-                </a:solidFill>
-              </a14:hiddenFill>
-            </a:ext>
-          </a:extLst>
-        </p:spPr>
-        <p:txBody>
-          <a:bodyPr vert="horz" wrap="square" lIns="91440" tIns="45720" rIns="91440" bIns="45720" numCol="1" anchor="t" anchorCtr="0" compatLnSpc="1">
-            <a:prstTxWarp prst="textNoShape">
-              <a:avLst/>
-            </a:prstTxWarp>
-          </a:bodyPr>
-          <a:lstStyle/>
-          <a:p>
-            <a:endParaRPr lang="zh-CN" altLang="en-US"/>
-          </a:p>
-        </p:txBody>
-      </p:sp>
-      <p:sp>
-        <p:nvSpPr>
-          <p:cNvPr id="3" name="AutoShape 4" descr="https://images2018.cnblogs.com/blog/1389398/201805/1389398-20180501192405613-1987522197.png"/>
-          <p:cNvSpPr>
-            <a:spLocks noChangeAspect="1" noChangeArrowheads="1"/>
-          </p:cNvSpPr>
-          <p:nvPr/>
-        </p:nvSpPr>
-        <p:spPr bwMode="auto">
-          <a:xfrm>
-            <a:off x="307975" y="7937"/>
-            <a:ext cx="304800" cy="304801"/>
-          </a:xfrm>
-          <a:prstGeom prst="rect">
-            <a:avLst/>
-          </a:prstGeom>
-          <a:noFill/>
-          <a:extLst>
-            <a:ext uri="{909E8E84-426E-40DD-AFC4-6F175D3DCCD1}">
-              <a14:hiddenFill xmlns:a14="http://schemas.microsoft.com/office/drawing/2010/main">
-                <a:solidFill>
-                  <a:srgbClr val="FFFFFF"/>
-                </a:solidFill>
-              </a14:hiddenFill>
-            </a:ext>
-          </a:extLst>
-        </p:spPr>
-        <p:txBody>
-          <a:bodyPr vert="horz" wrap="square" lIns="91440" tIns="45720" rIns="91440" bIns="45720" numCol="1" anchor="t" anchorCtr="0" compatLnSpc="1">
-            <a:prstTxWarp prst="textNoShape">
-              <a:avLst/>
-            </a:prstTxWarp>
-          </a:bodyPr>
-          <a:lstStyle/>
-          <a:p>
-            <a:endParaRPr lang="zh-CN" altLang="en-US"/>
-          </a:p>
-        </p:txBody>
-      </p:sp>
-      <p:sp>
-        <p:nvSpPr>
-          <p:cNvPr id="7" name="AutoShape 7" descr="https://images2018.cnblogs.com/blog/1389398/201805/1389398-20180501192354977-1299288822.png"/>
-          <p:cNvSpPr>
-            <a:spLocks noChangeAspect="1" noChangeArrowheads="1"/>
-          </p:cNvSpPr>
-          <p:nvPr/>
-        </p:nvSpPr>
-        <p:spPr bwMode="auto">
-          <a:xfrm>
-            <a:off x="460375" y="160337"/>
-            <a:ext cx="304800" cy="304801"/>
-          </a:xfrm>
-          <a:prstGeom prst="rect">
-            <a:avLst/>
-          </a:prstGeom>
-          <a:noFill/>
-          <a:extLst>
-            <a:ext uri="{909E8E84-426E-40DD-AFC4-6F175D3DCCD1}">
-              <a14:hiddenFill xmlns:a14="http://schemas.microsoft.com/office/drawing/2010/main">
-                <a:solidFill>
-                  <a:srgbClr val="FFFFFF"/>
-                </a:solidFill>
-              </a14:hiddenFill>
-            </a:ext>
-          </a:extLst>
-        </p:spPr>
-        <p:txBody>
-          <a:bodyPr vert="horz" wrap="square" lIns="91440" tIns="45720" rIns="91440" bIns="45720" numCol="1" anchor="t" anchorCtr="0" compatLnSpc="1">
-            <a:prstTxWarp prst="textNoShape">
-              <a:avLst/>
-            </a:prstTxWarp>
-          </a:bodyPr>
-          <a:lstStyle/>
-          <a:p>
-            <a:endParaRPr lang="zh-CN" altLang="en-US"/>
-          </a:p>
-        </p:txBody>
-      </p:sp>
-      <p:sp>
-        <p:nvSpPr>
-          <p:cNvPr id="8" name="AutoShape 9" descr="https://images2018.cnblogs.com/blog/1389398/201805/1389398-20180501192354977-1299288822.png"/>
-          <p:cNvSpPr>
-            <a:spLocks noChangeAspect="1" noChangeArrowheads="1"/>
-          </p:cNvSpPr>
-          <p:nvPr/>
-        </p:nvSpPr>
-        <p:spPr bwMode="auto">
-          <a:xfrm>
-            <a:off x="612775" y="312737"/>
-            <a:ext cx="304800" cy="304801"/>
-          </a:xfrm>
-          <a:prstGeom prst="rect">
-            <a:avLst/>
-          </a:prstGeom>
-          <a:noFill/>
-          <a:extLst>
-            <a:ext uri="{909E8E84-426E-40DD-AFC4-6F175D3DCCD1}">
-              <a14:hiddenFill xmlns:a14="http://schemas.microsoft.com/office/drawing/2010/main">
-                <a:solidFill>
-                  <a:srgbClr val="FFFFFF"/>
-                </a:solidFill>
-              </a14:hiddenFill>
-            </a:ext>
-          </a:extLst>
-        </p:spPr>
-        <p:txBody>
-          <a:bodyPr vert="horz" wrap="square" lIns="91440" tIns="45720" rIns="91440" bIns="45720" numCol="1" anchor="t" anchorCtr="0" compatLnSpc="1">
-            <a:prstTxWarp prst="textNoShape">
-              <a:avLst/>
-            </a:prstTxWarp>
-          </a:bodyPr>
-          <a:lstStyle/>
-          <a:p>
-            <a:endParaRPr lang="zh-CN" altLang="en-US"/>
-          </a:p>
-        </p:txBody>
-      </p:sp>
-      <p:pic>
-        <p:nvPicPr>
-          <p:cNvPr id="9" name="图片 8"/>
-          <p:cNvPicPr>
-            <a:picLocks noChangeAspect="1"/>
-          </p:cNvPicPr>
-          <p:nvPr/>
-        </p:nvPicPr>
-        <p:blipFill rotWithShape="1">
-          <a:blip r:embed="rId2">
-            <a:extLst>
-              <a:ext uri="{BEBA8EAE-BF5A-486C-A8C5-ECC9F3942E4B}">
-                <a14:imgProps xmlns:a14="http://schemas.microsoft.com/office/drawing/2010/main">
-                  <a14:imgLayer r:embed="rId3">
-                    <a14:imgEffect>
-                      <a14:artisticPhotocopy/>
-                    </a14:imgEffect>
-                  </a14:imgLayer>
-                </a14:imgProps>
-              </a:ext>
-              <a:ext uri="{28A0092B-C50C-407E-A947-70E740481C1C}">
-                <a14:useLocalDpi xmlns:a14="http://schemas.microsoft.com/office/drawing/2010/main" val="0"/>
-              </a:ext>
-            </a:extLst>
-          </a:blip>
-          <a:srcRect l="12887" r="14715" b="11456"/>
-          <a:stretch/>
-        </p:blipFill>
-        <p:spPr>
-          <a:xfrm>
-            <a:off x="335062" y="1885196"/>
-            <a:ext cx="3454401" cy="2656309"/>
-          </a:xfrm>
-          <a:prstGeom prst="rect">
-            <a:avLst/>
-          </a:prstGeom>
-        </p:spPr>
-      </p:pic>
-      <p:pic>
-        <p:nvPicPr>
-          <p:cNvPr id="10" name="图片 9"/>
-          <p:cNvPicPr>
-            <a:picLocks noChangeAspect="1"/>
-          </p:cNvPicPr>
-          <p:nvPr/>
-        </p:nvPicPr>
-        <p:blipFill rotWithShape="1">
-          <a:blip r:embed="rId4">
-            <a:extLst>
-              <a:ext uri="{BEBA8EAE-BF5A-486C-A8C5-ECC9F3942E4B}">
-                <a14:imgProps xmlns:a14="http://schemas.microsoft.com/office/drawing/2010/main">
-                  <a14:imgLayer r:embed="rId5">
-                    <a14:imgEffect>
-                      <a14:artisticPhotocopy/>
-                    </a14:imgEffect>
-                  </a14:imgLayer>
-                </a14:imgProps>
-              </a:ext>
-              <a:ext uri="{28A0092B-C50C-407E-A947-70E740481C1C}">
-                <a14:useLocalDpi xmlns:a14="http://schemas.microsoft.com/office/drawing/2010/main" val="0"/>
-              </a:ext>
-            </a:extLst>
-          </a:blip>
-          <a:srcRect l="16412" r="14485"/>
-          <a:stretch/>
-        </p:blipFill>
-        <p:spPr>
-          <a:xfrm>
-            <a:off x="5148064" y="1885196"/>
-            <a:ext cx="3343275" cy="2923810"/>
-          </a:xfrm>
-          <a:prstGeom prst="rect">
-            <a:avLst/>
-          </a:prstGeom>
-        </p:spPr>
-      </p:pic>
-      <p:sp>
-        <p:nvSpPr>
-          <p:cNvPr id="11" name="右箭头 10"/>
-          <p:cNvSpPr/>
-          <p:nvPr/>
-        </p:nvSpPr>
-        <p:spPr>
-          <a:xfrm>
-            <a:off x="3707904" y="3068960"/>
-            <a:ext cx="1080120" cy="278141"/>
-          </a:xfrm>
-          <a:prstGeom prst="rightArrow">
-            <a:avLst/>
-          </a:prstGeom>
-        </p:spPr>
-        <p:style>
-          <a:lnRef idx="2">
-            <a:schemeClr val="accent1">
-              <a:shade val="50000"/>
-            </a:schemeClr>
-          </a:lnRef>
-          <a:fillRef idx="1">
-            <a:schemeClr val="accent1"/>
-          </a:fillRef>
-          <a:effectRef idx="0">
-            <a:schemeClr val="accent1"/>
-          </a:effectRef>
-          <a:fontRef idx="minor">
-            <a:schemeClr val="lt1"/>
-          </a:fontRef>
-        </p:style>
-        <p:txBody>
-          <a:bodyPr rtlCol="0" anchor="ctr"/>
-          <a:lstStyle/>
-          <a:p>
-            <a:pPr algn="ctr"/>
-            <a:endParaRPr lang="zh-CN" altLang="en-US"/>
-          </a:p>
-        </p:txBody>
-      </p:sp>
-      <p:sp>
-        <p:nvSpPr>
-          <p:cNvPr id="12" name="TextBox 11"/>
-          <p:cNvSpPr txBox="1"/>
-          <p:nvPr/>
-        </p:nvSpPr>
-        <p:spPr>
-          <a:xfrm>
-            <a:off x="1115616" y="4541505"/>
-            <a:ext cx="1368152" cy="369332"/>
-          </a:xfrm>
-          <a:prstGeom prst="rect">
-            <a:avLst/>
-          </a:prstGeom>
-          <a:noFill/>
-        </p:spPr>
-        <p:txBody>
-          <a:bodyPr wrap="square" rtlCol="0">
-            <a:spAutoFit/>
-          </a:bodyPr>
-          <a:lstStyle/>
-          <a:p>
-            <a:r>
-              <a:rPr lang="zh-CN" altLang="en-US" b="1" dirty="0" smtClean="0"/>
-              <a:t>标准化前</a:t>
-            </a:r>
-            <a:endParaRPr lang="zh-CN" altLang="en-US" b="1" dirty="0"/>
-          </a:p>
-        </p:txBody>
-      </p:sp>
-      <p:sp>
-        <p:nvSpPr>
-          <p:cNvPr id="15" name="TextBox 14"/>
-          <p:cNvSpPr txBox="1"/>
-          <p:nvPr/>
-        </p:nvSpPr>
-        <p:spPr>
-          <a:xfrm>
-            <a:off x="5940152" y="4541505"/>
-            <a:ext cx="1368152" cy="369332"/>
-          </a:xfrm>
-          <a:prstGeom prst="rect">
-            <a:avLst/>
-          </a:prstGeom>
-          <a:noFill/>
-        </p:spPr>
-        <p:txBody>
-          <a:bodyPr wrap="square" rtlCol="0">
-            <a:spAutoFit/>
-          </a:bodyPr>
-          <a:lstStyle/>
-          <a:p>
-            <a:r>
-              <a:rPr lang="zh-CN" altLang="en-US" b="1" dirty="0" smtClean="0"/>
-              <a:t>标准化后</a:t>
-            </a:r>
-            <a:endParaRPr lang="zh-CN" altLang="en-US" b="1" dirty="0"/>
-          </a:p>
-        </p:txBody>
-      </p:sp>
-    </p:spTree>
-    <p:extLst>
-      <p:ext uri="{BB962C8B-B14F-4D97-AF65-F5344CB8AC3E}">
-        <p14:creationId xmlns:p14="http://schemas.microsoft.com/office/powerpoint/2010/main" val="3740781033"/>
-      </p:ext>
-    </p:extLst>
-  </p:cSld>
-  <p:clrMapOvr>
-    <a:masterClrMapping/>
-  </p:clrMapOvr>
-  <p:timing>
-    <p:tnLst>
-      <p:par>
-        <p:cTn id="1" dur="indefinite" restart="never" nodeType="tmRoot"/>
-      </p:par>
-    </p:tnLst>
-  </p:timing>
-</p:sld>
-</file>
-
-<file path=ppt/slides/slide4.xml><?xml version="1.0" encoding="utf-8"?>
-<p:sld xmlns:a="http://schemas.openxmlformats.org/drawingml/2006/main" xmlns:r="http://schemas.openxmlformats.org/officeDocument/2006/relationships" xmlns:p="http://schemas.openxmlformats.org/presentationml/2006/main">
-  <p:cSld>
-    <p:spTree>
-      <p:nvGrpSpPr>
-        <p:cNvPr id="1" name=""/>
-        <p:cNvGrpSpPr/>
-        <p:nvPr/>
-      </p:nvGrpSpPr>
-      <p:grpSpPr>
-        <a:xfrm>
-          <a:off x="0" y="0"/>
-          <a:ext cx="0" cy="0"/>
-          <a:chOff x="0" y="0"/>
-          <a:chExt cx="0" cy="0"/>
-        </a:xfrm>
-      </p:grpSpPr>
-      <p:sp>
-        <p:nvSpPr>
           <p:cNvPr id="62" name="平行四边形 61"/>
           <p:cNvSpPr/>
           <p:nvPr/>
@@ -6493,7 +6379,7 @@
 </p:sld>
 </file>
 
-<file path=ppt/slides/slide5.xml><?xml version="1.0" encoding="utf-8"?>
+<file path=ppt/slides/slide4.xml><?xml version="1.0" encoding="utf-8"?>
 <p:sld xmlns:a="http://schemas.openxmlformats.org/drawingml/2006/main" xmlns:r="http://schemas.openxmlformats.org/officeDocument/2006/relationships" xmlns:p="http://schemas.openxmlformats.org/presentationml/2006/main">
   <p:cSld>
     <p:spTree>
@@ -8312,8 +8198,8 @@
           </p:txBody>
         </p:sp>
       </p:grpSp>
-      <mc:AlternateContent xmlns:mc="http://schemas.openxmlformats.org/markup-compatibility/2006">
-        <mc:Choice xmlns:a14="http://schemas.microsoft.com/office/drawing/2010/main" Requires="a14">
+      <mc:AlternateContent xmlns:mc="http://schemas.openxmlformats.org/markup-compatibility/2006" xmlns:a14="http://schemas.microsoft.com/office/drawing/2010/main">
+        <mc:Choice Requires="a14">
           <p:sp>
             <p:nvSpPr>
               <p:cNvPr id="11" name="TextBox 10"/>
@@ -8336,6 +8222,7 @@
               </a:bodyPr>
               <a:lstStyle/>
               <a:p>
+                <a:pPr/>
                 <a14:m>
                   <m:oMathPara xmlns:m="http://schemas.openxmlformats.org/officeDocument/2006/math">
                     <m:oMathParaPr>
@@ -8356,7 +8243,7 @@
             </p:txBody>
           </p:sp>
         </mc:Choice>
-        <mc:Fallback>
+        <mc:Fallback xmlns="">
           <p:sp>
             <p:nvSpPr>
               <p:cNvPr id="11" name="TextBox 10"/>
@@ -8395,8 +8282,8 @@
           </p:sp>
         </mc:Fallback>
       </mc:AlternateContent>
-      <mc:AlternateContent xmlns:mc="http://schemas.openxmlformats.org/markup-compatibility/2006">
-        <mc:Choice xmlns:a14="http://schemas.microsoft.com/office/drawing/2010/main" Requires="a14">
+      <mc:AlternateContent xmlns:mc="http://schemas.openxmlformats.org/markup-compatibility/2006" xmlns:a14="http://schemas.microsoft.com/office/drawing/2010/main">
+        <mc:Choice Requires="a14">
           <p:sp>
             <p:nvSpPr>
               <p:cNvPr id="176" name="TextBox 175"/>
@@ -8419,6 +8306,7 @@
               </a:bodyPr>
               <a:lstStyle/>
               <a:p>
+                <a:pPr/>
                 <a14:m>
                   <m:oMathPara xmlns:m="http://schemas.openxmlformats.org/officeDocument/2006/math">
                     <m:oMathParaPr>
@@ -8439,7 +8327,7 @@
             </p:txBody>
           </p:sp>
         </mc:Choice>
-        <mc:Fallback>
+        <mc:Fallback xmlns="">
           <p:sp>
             <p:nvSpPr>
               <p:cNvPr id="176" name="TextBox 175"/>
@@ -8478,8 +8366,8 @@
           </p:sp>
         </mc:Fallback>
       </mc:AlternateContent>
-      <mc:AlternateContent xmlns:mc="http://schemas.openxmlformats.org/markup-compatibility/2006">
-        <mc:Choice xmlns:a14="http://schemas.microsoft.com/office/drawing/2010/main" Requires="a14">
+      <mc:AlternateContent xmlns:mc="http://schemas.openxmlformats.org/markup-compatibility/2006" xmlns:a14="http://schemas.microsoft.com/office/drawing/2010/main">
+        <mc:Choice Requires="a14">
           <p:sp>
             <p:nvSpPr>
               <p:cNvPr id="177" name="TextBox 176"/>
@@ -8502,6 +8390,7 @@
               </a:bodyPr>
               <a:lstStyle/>
               <a:p>
+                <a:pPr/>
                 <a14:m>
                   <m:oMathPara xmlns:m="http://schemas.openxmlformats.org/officeDocument/2006/math">
                     <m:oMathParaPr>
@@ -8522,7 +8411,7 @@
             </p:txBody>
           </p:sp>
         </mc:Choice>
-        <mc:Fallback>
+        <mc:Fallback xmlns="">
           <p:sp>
             <p:nvSpPr>
               <p:cNvPr id="177" name="TextBox 176"/>
@@ -8601,8 +8490,8 @@
           </a:p>
         </p:txBody>
       </p:sp>
-      <mc:AlternateContent xmlns:mc="http://schemas.openxmlformats.org/markup-compatibility/2006">
-        <mc:Choice xmlns:a14="http://schemas.microsoft.com/office/drawing/2010/main" Requires="a14">
+      <mc:AlternateContent xmlns:mc="http://schemas.openxmlformats.org/markup-compatibility/2006" xmlns:a14="http://schemas.microsoft.com/office/drawing/2010/main">
+        <mc:Choice Requires="a14">
           <p:sp>
             <p:nvSpPr>
               <p:cNvPr id="178" name="TextBox 177"/>
@@ -8625,6 +8514,7 @@
               </a:bodyPr>
               <a:lstStyle/>
               <a:p>
+                <a:pPr/>
                 <a14:m>
                   <m:oMathPara xmlns:m="http://schemas.openxmlformats.org/officeDocument/2006/math">
                     <m:oMathParaPr>
@@ -8670,7 +8560,7 @@
             </p:txBody>
           </p:sp>
         </mc:Choice>
-        <mc:Fallback>
+        <mc:Fallback xmlns="">
           <p:sp>
             <p:nvSpPr>
               <p:cNvPr id="178" name="TextBox 177"/>
@@ -8857,7 +8747,7 @@
 </p:sld>
 </file>
 
-<file path=ppt/slides/slide6.xml><?xml version="1.0" encoding="utf-8"?>
+<file path=ppt/slides/slide5.xml><?xml version="1.0" encoding="utf-8"?>
 <p:sld xmlns:a="http://schemas.openxmlformats.org/drawingml/2006/main" xmlns:r="http://schemas.openxmlformats.org/officeDocument/2006/relationships" xmlns:p="http://schemas.openxmlformats.org/presentationml/2006/main">
   <p:cSld>
     <p:spTree>
@@ -9070,8 +8960,8 @@
           </a:p>
         </p:txBody>
       </p:sp>
-      <mc:AlternateContent xmlns:mc="http://schemas.openxmlformats.org/markup-compatibility/2006">
-        <mc:Choice xmlns:a14="http://schemas.microsoft.com/office/drawing/2010/main" Requires="a14">
+      <mc:AlternateContent xmlns:mc="http://schemas.openxmlformats.org/markup-compatibility/2006" xmlns:a14="http://schemas.microsoft.com/office/drawing/2010/main">
+        <mc:Choice Requires="a14">
           <p:sp>
             <p:nvSpPr>
               <p:cNvPr id="11" name="TextBox 10"/>
@@ -9094,6 +8984,7 @@
               </a:bodyPr>
               <a:lstStyle/>
               <a:p>
+                <a:pPr/>
                 <a14:m>
                   <m:oMathPara xmlns:m="http://schemas.openxmlformats.org/officeDocument/2006/math">
                     <m:oMathParaPr>
@@ -9120,7 +9011,7 @@
             </p:txBody>
           </p:sp>
         </mc:Choice>
-        <mc:Fallback>
+        <mc:Fallback xmlns="">
           <p:sp>
             <p:nvSpPr>
               <p:cNvPr id="11" name="TextBox 10"/>
@@ -9159,8 +9050,8 @@
           </p:sp>
         </mc:Fallback>
       </mc:AlternateContent>
-      <mc:AlternateContent xmlns:mc="http://schemas.openxmlformats.org/markup-compatibility/2006">
-        <mc:Choice xmlns:a14="http://schemas.microsoft.com/office/drawing/2010/main" Requires="a14">
+      <mc:AlternateContent xmlns:mc="http://schemas.openxmlformats.org/markup-compatibility/2006" xmlns:a14="http://schemas.microsoft.com/office/drawing/2010/main">
+        <mc:Choice Requires="a14">
           <p:sp>
             <p:nvSpPr>
               <p:cNvPr id="176" name="TextBox 175"/>
@@ -9183,6 +9074,7 @@
               </a:bodyPr>
               <a:lstStyle/>
               <a:p>
+                <a:pPr/>
                 <a14:m>
                   <m:oMathPara xmlns:m="http://schemas.openxmlformats.org/officeDocument/2006/math">
                     <m:oMathParaPr>
@@ -9209,7 +9101,7 @@
             </p:txBody>
           </p:sp>
         </mc:Choice>
-        <mc:Fallback>
+        <mc:Fallback xmlns="">
           <p:sp>
             <p:nvSpPr>
               <p:cNvPr id="176" name="TextBox 175"/>
@@ -9543,8 +9435,8 @@
           </a:p>
         </p:txBody>
       </p:sp>
-      <mc:AlternateContent xmlns:mc="http://schemas.openxmlformats.org/markup-compatibility/2006">
-        <mc:Choice xmlns:a14="http://schemas.microsoft.com/office/drawing/2010/main" Requires="a14">
+      <mc:AlternateContent xmlns:mc="http://schemas.openxmlformats.org/markup-compatibility/2006" xmlns:a14="http://schemas.microsoft.com/office/drawing/2010/main">
+        <mc:Choice Requires="a14">
           <p:sp>
             <p:nvSpPr>
               <p:cNvPr id="66" name="TextBox 65"/>
@@ -9567,6 +9459,7 @@
               </a:bodyPr>
               <a:lstStyle/>
               <a:p>
+                <a:pPr/>
                 <a14:m>
                   <m:oMathPara xmlns:m="http://schemas.openxmlformats.org/officeDocument/2006/math">
                     <m:oMathParaPr>
@@ -9593,7 +9486,7 @@
             </p:txBody>
           </p:sp>
         </mc:Choice>
-        <mc:Fallback>
+        <mc:Fallback xmlns="">
           <p:sp>
             <p:nvSpPr>
               <p:cNvPr id="66" name="TextBox 65"/>
@@ -9632,8 +9525,8 @@
           </p:sp>
         </mc:Fallback>
       </mc:AlternateContent>
-      <mc:AlternateContent xmlns:mc="http://schemas.openxmlformats.org/markup-compatibility/2006">
-        <mc:Choice xmlns:a14="http://schemas.microsoft.com/office/drawing/2010/main" Requires="a14">
+      <mc:AlternateContent xmlns:mc="http://schemas.openxmlformats.org/markup-compatibility/2006" xmlns:a14="http://schemas.microsoft.com/office/drawing/2010/main">
+        <mc:Choice Requires="a14">
           <p:sp>
             <p:nvSpPr>
               <p:cNvPr id="67" name="TextBox 66"/>
@@ -9656,6 +9549,7 @@
               </a:bodyPr>
               <a:lstStyle/>
               <a:p>
+                <a:pPr/>
                 <a14:m>
                   <m:oMathPara xmlns:m="http://schemas.openxmlformats.org/officeDocument/2006/math">
                     <m:oMathParaPr>
@@ -9710,7 +9604,7 @@
             </p:txBody>
           </p:sp>
         </mc:Choice>
-        <mc:Fallback>
+        <mc:Fallback xmlns="">
           <p:sp>
             <p:nvSpPr>
               <p:cNvPr id="67" name="TextBox 66"/>
@@ -9809,7 +9703,7 @@
 </p:sld>
 </file>
 
-<file path=ppt/slides/slide7.xml><?xml version="1.0" encoding="utf-8"?>
+<file path=ppt/slides/slide6.xml><?xml version="1.0" encoding="utf-8"?>
 <p:sld xmlns:a="http://schemas.openxmlformats.org/drawingml/2006/main" xmlns:r="http://schemas.openxmlformats.org/officeDocument/2006/relationships" xmlns:p="http://schemas.openxmlformats.org/presentationml/2006/main">
   <p:cSld>
     <p:spTree>
@@ -9911,7 +9805,7 @@
           <a:graphicData uri="http://schemas.openxmlformats.org/presentationml/2006/ole">
             <mc:AlternateContent xmlns:mc="http://schemas.openxmlformats.org/markup-compatibility/2006">
               <mc:Choice xmlns:v="urn:schemas-microsoft-com:vml" Requires="v">
-                <p:oleObj spid="_x0000_s1076" name="Equation" r:id="rId3" imgW="1434960" imgH="914400" progId="Equation.DSMT4">
+                <p:oleObj spid="_x0000_s1103" name="Equation" r:id="rId3" imgW="1434960" imgH="914400" progId="Equation.DSMT4">
                   <p:embed/>
                 </p:oleObj>
               </mc:Choice>
@@ -10035,7 +9929,7 @@
           <a:graphicData uri="http://schemas.openxmlformats.org/presentationml/2006/ole">
             <mc:AlternateContent xmlns:mc="http://schemas.openxmlformats.org/markup-compatibility/2006">
               <mc:Choice xmlns:v="urn:schemas-microsoft-com:vml" Requires="v">
-                <p:oleObj spid="_x0000_s1077" name="Equation" r:id="rId5" imgW="164880" imgH="203040" progId="Equation.DSMT4">
+                <p:oleObj spid="_x0000_s1104" name="Equation" r:id="rId5" imgW="164880" imgH="203040" progId="Equation.DSMT4">
                   <p:embed/>
                 </p:oleObj>
               </mc:Choice>
@@ -10096,7 +9990,7 @@
           <a:graphicData uri="http://schemas.openxmlformats.org/presentationml/2006/ole">
             <mc:AlternateContent xmlns:mc="http://schemas.openxmlformats.org/markup-compatibility/2006">
               <mc:Choice xmlns:v="urn:schemas-microsoft-com:vml" Requires="v">
-                <p:oleObj spid="_x0000_s1078" name="Equation" r:id="rId7" imgW="177480" imgH="203040" progId="Equation.DSMT4">
+                <p:oleObj spid="_x0000_s1105" name="Equation" r:id="rId7" imgW="177480" imgH="203040" progId="Equation.DSMT4">
                   <p:embed/>
                 </p:oleObj>
               </mc:Choice>
@@ -10179,7 +10073,7 @@
           <a:graphicData uri="http://schemas.openxmlformats.org/presentationml/2006/ole">
             <mc:AlternateContent xmlns:mc="http://schemas.openxmlformats.org/markup-compatibility/2006">
               <mc:Choice xmlns:v="urn:schemas-microsoft-com:vml" Requires="v">
-                <p:oleObj spid="_x0000_s1079" name="Equation" r:id="rId9" imgW="164880" imgH="203040" progId="Equation.DSMT4">
+                <p:oleObj spid="_x0000_s1106" name="Equation" r:id="rId9" imgW="164880" imgH="203040" progId="Equation.DSMT4">
                   <p:embed/>
                 </p:oleObj>
               </mc:Choice>
@@ -10262,7 +10156,7 @@
           <a:graphicData uri="http://schemas.openxmlformats.org/presentationml/2006/ole">
             <mc:AlternateContent xmlns:mc="http://schemas.openxmlformats.org/markup-compatibility/2006">
               <mc:Choice xmlns:v="urn:schemas-microsoft-com:vml" Requires="v">
-                <p:oleObj spid="_x0000_s1080" name="Equation" r:id="rId11" imgW="177480" imgH="203040" progId="Equation.DSMT4">
+                <p:oleObj spid="_x0000_s1107" name="Equation" r:id="rId11" imgW="177480" imgH="203040" progId="Equation.DSMT4">
                   <p:embed/>
                 </p:oleObj>
               </mc:Choice>
@@ -10345,7 +10239,7 @@
           <a:graphicData uri="http://schemas.openxmlformats.org/presentationml/2006/ole">
             <mc:AlternateContent xmlns:mc="http://schemas.openxmlformats.org/markup-compatibility/2006">
               <mc:Choice xmlns:v="urn:schemas-microsoft-com:vml" Requires="v">
-                <p:oleObj spid="_x0000_s1081" name="Equation" r:id="rId13" imgW="164880" imgH="203040" progId="Equation.DSMT4">
+                <p:oleObj spid="_x0000_s1108" name="Equation" r:id="rId13" imgW="164880" imgH="203040" progId="Equation.DSMT4">
                   <p:embed/>
                 </p:oleObj>
               </mc:Choice>
@@ -10434,7 +10328,7 @@
           <a:graphicData uri="http://schemas.openxmlformats.org/presentationml/2006/ole">
             <mc:AlternateContent xmlns:mc="http://schemas.openxmlformats.org/markup-compatibility/2006">
               <mc:Choice xmlns:v="urn:schemas-microsoft-com:vml" Requires="v">
-                <p:oleObj spid="_x0000_s1082" name="Equation" r:id="rId15" imgW="177480" imgH="203040" progId="Equation.DSMT4">
+                <p:oleObj spid="_x0000_s1109" name="Equation" r:id="rId15" imgW="177480" imgH="203040" progId="Equation.DSMT4">
                   <p:embed/>
                 </p:oleObj>
               </mc:Choice>
@@ -10517,7 +10411,7 @@
           <a:graphicData uri="http://schemas.openxmlformats.org/presentationml/2006/ole">
             <mc:AlternateContent xmlns:mc="http://schemas.openxmlformats.org/markup-compatibility/2006">
               <mc:Choice xmlns:v="urn:schemas-microsoft-com:vml" Requires="v">
-                <p:oleObj spid="_x0000_s1083" name="Equation" r:id="rId17" imgW="164880" imgH="203040" progId="Equation.DSMT4">
+                <p:oleObj spid="_x0000_s1110" name="Equation" r:id="rId17" imgW="164880" imgH="203040" progId="Equation.DSMT4">
                   <p:embed/>
                 </p:oleObj>
               </mc:Choice>
@@ -10600,7 +10494,7 @@
           <a:graphicData uri="http://schemas.openxmlformats.org/presentationml/2006/ole">
             <mc:AlternateContent xmlns:mc="http://schemas.openxmlformats.org/markup-compatibility/2006">
               <mc:Choice xmlns:v="urn:schemas-microsoft-com:vml" Requires="v">
-                <p:oleObj spid="_x0000_s1084" name="Equation" r:id="rId19" imgW="177480" imgH="203040" progId="Equation.DSMT4">
+                <p:oleObj spid="_x0000_s1111" name="Equation" r:id="rId19" imgW="177480" imgH="203040" progId="Equation.DSMT4">
                   <p:embed/>
                 </p:oleObj>
               </mc:Choice>
@@ -10778,43 +10672,6 @@
 </p:sld>
 </file>
 
-<file path=ppt/slides/slide8.xml><?xml version="1.0" encoding="utf-8"?>
-<p:sld xmlns:a="http://schemas.openxmlformats.org/drawingml/2006/main" xmlns:r="http://schemas.openxmlformats.org/officeDocument/2006/relationships" xmlns:p="http://schemas.openxmlformats.org/presentationml/2006/main">
-  <p:cSld>
-    <p:spTree>
-      <p:nvGrpSpPr>
-        <p:cNvPr id="1" name=""/>
-        <p:cNvGrpSpPr/>
-        <p:nvPr/>
-      </p:nvGrpSpPr>
-      <p:grpSpPr>
-        <a:xfrm>
-          <a:off x="0" y="0"/>
-          <a:ext cx="0" cy="0"/>
-          <a:chOff x="0" y="0"/>
-          <a:chExt cx="0" cy="0"/>
-        </a:xfrm>
-      </p:grpSpPr>
-    </p:spTree>
-    <p:extLst>
-      <p:ext uri="{BB962C8B-B14F-4D97-AF65-F5344CB8AC3E}">
-        <p14:creationId xmlns:p14="http://schemas.microsoft.com/office/powerpoint/2010/main" val="1931653005"/>
-      </p:ext>
-    </p:extLst>
-  </p:cSld>
-  <p:clrMapOvr>
-    <a:masterClrMapping/>
-  </p:clrMapOvr>
-  <p:timing>
-    <p:tnLst>
-      <p:par>
-        <p:cTn id="1" dur="indefinite" restart="never" nodeType="tmRoot"/>
-      </p:par>
-    </p:tnLst>
-  </p:timing>
-</p:sld>
-</file>
-
 <file path=ppt/theme/theme1.xml><?xml version="1.0" encoding="utf-8"?>
 <a:theme xmlns:a="http://schemas.openxmlformats.org/drawingml/2006/main" name="Office 主题">
   <a:themeElements>
@@ -10823,7 +10680,7 @@
         <a:sysClr val="windowText" lastClr="000000"/>
       </a:dk1>
       <a:lt1>
-        <a:sysClr val="window" lastClr="CCE8CF"/>
+        <a:sysClr val="window" lastClr="FFFFFF"/>
       </a:lt1>
       <a:dk2>
         <a:srgbClr val="1F497D"/>
